--- a/Network-Security/Module_2 Cryptography/Lesson_3_Crypto_Asymmetric.pptx
+++ b/Network-Security/Module_2 Cryptography/Lesson_3_Crypto_Asymmetric.pptx
@@ -314,7 +314,7 @@
               <a:pPr>
                 <a:defRPr/>
               </a:pPr>
-              <a:t>4/1/2018</a:t>
+              <a:t>4/3/2018</a:t>
             </a:fld>
             <a:endParaRPr lang="en-US"/>
           </a:p>
@@ -5962,7 +5962,7 @@
           <a:p>
             <a:r>
               <a:rPr lang="en-US" dirty="0"/>
-              <a:t>Internetworking Module</a:t>
+              <a:t>Cryptography Module</a:t>
             </a:r>
           </a:p>
         </p:txBody>
@@ -13293,7 +13293,7 @@
 </file>
 
 <file path=ppt/slides/slide44.xml><?xml version="1.0" encoding="utf-8"?>
-<p:sld xmlns:a="http://schemas.openxmlformats.org/drawingml/2006/main" xmlns:r="http://schemas.openxmlformats.org/officeDocument/2006/relationships" xmlns:p="http://schemas.openxmlformats.org/presentationml/2006/main" show="0">
+<p:sld xmlns:a="http://schemas.openxmlformats.org/drawingml/2006/main" xmlns:r="http://schemas.openxmlformats.org/officeDocument/2006/relationships" xmlns:p="http://schemas.openxmlformats.org/presentationml/2006/main">
   <p:cSld>
     <p:spTree>
       <p:nvGrpSpPr>
@@ -13326,7 +13326,7 @@
           <a:p>
             <a:r>
               <a:rPr lang="en-US" altLang="en-US" dirty="0"/>
-              <a:t>Security of Public Key Encryption (part 3)</a:t>
+              <a:t>Security of Public Key Encryption (part 2)</a:t>
             </a:r>
           </a:p>
         </p:txBody>
@@ -13479,8 +13479,8 @@
           <a:lstStyle/>
           <a:p>
             <a:r>
-              <a:rPr lang="en-US" altLang="en-US"/>
-              <a:t>Security of Public Key Encryption</a:t>
+              <a:rPr lang="en-US" altLang="en-US" dirty="0"/>
+              <a:t>Security of Public Key Encryption (part 3)</a:t>
             </a:r>
           </a:p>
         </p:txBody>
@@ -13622,7 +13622,7 @@
           <a:p>
             <a:r>
               <a:rPr lang="en-US" altLang="en-US" dirty="0"/>
-              <a:t>Security of Public Key Encryption (part 3)</a:t>
+              <a:t>Security of Public Key Encryption (part 4)</a:t>
             </a:r>
           </a:p>
         </p:txBody>

--- a/Network-Security/Module_2 Cryptography/Lesson_3_Crypto_Asymmetric.pptx
+++ b/Network-Security/Module_2 Cryptography/Lesson_3_Crypto_Asymmetric.pptx
@@ -314,7 +314,7 @@
               <a:pPr>
                 <a:defRPr/>
               </a:pPr>
-              <a:t>4/3/2018</a:t>
+              <a:t>4/21/18</a:t>
             </a:fld>
             <a:endParaRPr lang="en-US"/>
           </a:p>
@@ -3233,7 +3233,7 @@
           <p:cNvPr id="2" name="Title 1">
             <a:extLst>
               <a:ext uri="{FF2B5EF4-FFF2-40B4-BE49-F238E27FC236}">
-                <a16:creationId xmlns:a16="http://schemas.microsoft.com/office/drawing/2014/main" id="{5C287DE2-E1A2-4F41-96FE-94AF4425CB03}"/>
+                <a16:creationId xmlns="" xmlns:a16="http://schemas.microsoft.com/office/drawing/2014/main" id="{5C287DE2-E1A2-4F41-96FE-94AF4425CB03}"/>
               </a:ext>
             </a:extLst>
           </p:cNvPr>
@@ -3258,6 +3258,10 @@
             </a:lvl1pPr>
           </a:lstStyle>
           <a:p>
+            <a:r>
+              <a:rPr lang="en-US" dirty="0"/>
+              <a:t/>
+            </a:r>
             <a:br>
               <a:rPr lang="en-US" dirty="0"/>
             </a:br>
@@ -3275,27 +3279,59 @@
             <a:br>
               <a:rPr lang="en-US" dirty="0"/>
             </a:br>
+            <a:r>
+              <a:rPr lang="en-US" dirty="0"/>
+              <a:t/>
+            </a:r>
             <a:br>
               <a:rPr lang="en-US" dirty="0"/>
             </a:br>
+            <a:r>
+              <a:rPr lang="en-US" dirty="0"/>
+              <a:t/>
+            </a:r>
             <a:br>
               <a:rPr lang="en-US" dirty="0"/>
             </a:br>
+            <a:r>
+              <a:rPr lang="en-US" dirty="0"/>
+              <a:t/>
+            </a:r>
             <a:br>
               <a:rPr lang="en-US" dirty="0"/>
             </a:br>
+            <a:r>
+              <a:rPr lang="en-US" dirty="0"/>
+              <a:t/>
+            </a:r>
             <a:br>
               <a:rPr lang="en-US" dirty="0"/>
             </a:br>
+            <a:r>
+              <a:rPr lang="en-US" dirty="0"/>
+              <a:t/>
+            </a:r>
             <a:br>
               <a:rPr lang="en-US" dirty="0"/>
             </a:br>
+            <a:r>
+              <a:rPr lang="en-US" dirty="0"/>
+              <a:t/>
+            </a:r>
             <a:br>
               <a:rPr lang="en-US" dirty="0"/>
             </a:br>
+            <a:r>
+              <a:rPr lang="en-US" dirty="0"/>
+              <a:t/>
+            </a:r>
             <a:br>
               <a:rPr lang="en-US" dirty="0"/>
             </a:br>
+            <a:r>
+              <a:rPr lang="en-US" dirty="0"/>
+              <a:t/>
+            </a:r>
             <a:br>
               <a:rPr lang="en-US" dirty="0"/>
             </a:br>
@@ -3306,6 +3342,10 @@
             <a:br>
               <a:rPr lang="en-US" dirty="0"/>
             </a:br>
+            <a:r>
+              <a:rPr lang="en-US" dirty="0"/>
+              <a:t/>
+            </a:r>
             <a:br>
               <a:rPr lang="en-US" dirty="0"/>
             </a:br>
@@ -3316,6 +3356,10 @@
             <a:br>
               <a:rPr lang="en-US" dirty="0"/>
             </a:br>
+            <a:r>
+              <a:rPr lang="en-US" dirty="0"/>
+              <a:t/>
+            </a:r>
             <a:br>
               <a:rPr lang="en-US" dirty="0"/>
             </a:br>
@@ -3335,7 +3379,7 @@
           <p:cNvPr id="3" name="Slide Number Placeholder 2">
             <a:extLst>
               <a:ext uri="{FF2B5EF4-FFF2-40B4-BE49-F238E27FC236}">
-                <a16:creationId xmlns:a16="http://schemas.microsoft.com/office/drawing/2014/main" id="{7D2FFADE-E1BC-48C1-83AA-6DDDD39A33C4}"/>
+                <a16:creationId xmlns="" xmlns:a16="http://schemas.microsoft.com/office/drawing/2014/main" id="{7D2FFADE-E1BC-48C1-83AA-6DDDD39A33C4}"/>
               </a:ext>
             </a:extLst>
           </p:cNvPr>
@@ -3370,7 +3414,7 @@
           <p:cNvPr id="9" name="Picture 8">
             <a:extLst>
               <a:ext uri="{FF2B5EF4-FFF2-40B4-BE49-F238E27FC236}">
-                <a16:creationId xmlns:a16="http://schemas.microsoft.com/office/drawing/2014/main" id="{9CBFC76A-A606-42CF-BCDF-C73975C150B9}"/>
+                <a16:creationId xmlns="" xmlns:a16="http://schemas.microsoft.com/office/drawing/2014/main" id="{9CBFC76A-A606-42CF-BCDF-C73975C150B9}"/>
               </a:ext>
             </a:extLst>
           </p:cNvPr>
@@ -4495,7 +4539,7 @@
           <p:cNvPr id="3" name="Slide Number Placeholder 2">
             <a:extLst>
               <a:ext uri="{FF2B5EF4-FFF2-40B4-BE49-F238E27FC236}">
-                <a16:creationId xmlns:a16="http://schemas.microsoft.com/office/drawing/2014/main" id="{41062AC1-33B4-45AA-A39F-FC912A70AD57}"/>
+                <a16:creationId xmlns="" xmlns:a16="http://schemas.microsoft.com/office/drawing/2014/main" id="{41062AC1-33B4-45AA-A39F-FC912A70AD57}"/>
               </a:ext>
             </a:extLst>
           </p:cNvPr>
@@ -4658,7 +4702,7 @@
           <p:cNvPr id="3" name="Slide Number Placeholder 2">
             <a:extLst>
               <a:ext uri="{FF2B5EF4-FFF2-40B4-BE49-F238E27FC236}">
-                <a16:creationId xmlns:a16="http://schemas.microsoft.com/office/drawing/2014/main" id="{FE21B121-DDCA-4344-8B55-9830D5BD0979}"/>
+                <a16:creationId xmlns="" xmlns:a16="http://schemas.microsoft.com/office/drawing/2014/main" id="{FE21B121-DDCA-4344-8B55-9830D5BD0979}"/>
               </a:ext>
             </a:extLst>
           </p:cNvPr>
@@ -4783,7 +4827,7 @@
           <p:cNvPr id="3" name="Slide Number Placeholder 2">
             <a:extLst>
               <a:ext uri="{FF2B5EF4-FFF2-40B4-BE49-F238E27FC236}">
-                <a16:creationId xmlns:a16="http://schemas.microsoft.com/office/drawing/2014/main" id="{4659E69D-2187-4282-B420-8371AE17E9A7}"/>
+                <a16:creationId xmlns="" xmlns:a16="http://schemas.microsoft.com/office/drawing/2014/main" id="{4659E69D-2187-4282-B420-8371AE17E9A7}"/>
               </a:ext>
             </a:extLst>
           </p:cNvPr>
@@ -4935,7 +4979,7 @@
           <p:cNvPr id="3" name="Slide Number Placeholder 2">
             <a:extLst>
               <a:ext uri="{FF2B5EF4-FFF2-40B4-BE49-F238E27FC236}">
-                <a16:creationId xmlns:a16="http://schemas.microsoft.com/office/drawing/2014/main" id="{735EBA7F-742F-4EB9-9019-3EB086FFC7FE}"/>
+                <a16:creationId xmlns="" xmlns:a16="http://schemas.microsoft.com/office/drawing/2014/main" id="{735EBA7F-742F-4EB9-9019-3EB086FFC7FE}"/>
               </a:ext>
             </a:extLst>
           </p:cNvPr>
@@ -5067,7 +5111,7 @@
           <p:cNvPr id="3" name="Slide Number Placeholder 2">
             <a:extLst>
               <a:ext uri="{FF2B5EF4-FFF2-40B4-BE49-F238E27FC236}">
-                <a16:creationId xmlns:a16="http://schemas.microsoft.com/office/drawing/2014/main" id="{6632D509-6D51-4BD5-8B00-7D07FCB5FD43}"/>
+                <a16:creationId xmlns="" xmlns:a16="http://schemas.microsoft.com/office/drawing/2014/main" id="{6632D509-6D51-4BD5-8B00-7D07FCB5FD43}"/>
               </a:ext>
             </a:extLst>
           </p:cNvPr>
@@ -5209,7 +5253,7 @@
           <p:cNvPr id="3" name="Slide Number Placeholder 2">
             <a:extLst>
               <a:ext uri="{FF2B5EF4-FFF2-40B4-BE49-F238E27FC236}">
-                <a16:creationId xmlns:a16="http://schemas.microsoft.com/office/drawing/2014/main" id="{0224DD6B-E244-47E9-A5D0-6B497F9A90F9}"/>
+                <a16:creationId xmlns="" xmlns:a16="http://schemas.microsoft.com/office/drawing/2014/main" id="{0224DD6B-E244-47E9-A5D0-6B497F9A90F9}"/>
               </a:ext>
             </a:extLst>
           </p:cNvPr>
@@ -5379,7 +5423,7 @@
           <p:cNvPr id="3" name="Slide Number Placeholder 2">
             <a:extLst>
               <a:ext uri="{FF2B5EF4-FFF2-40B4-BE49-F238E27FC236}">
-                <a16:creationId xmlns:a16="http://schemas.microsoft.com/office/drawing/2014/main" id="{F9B05DD0-3984-4FBA-BB3E-94BE6B169E97}"/>
+                <a16:creationId xmlns="" xmlns:a16="http://schemas.microsoft.com/office/drawing/2014/main" id="{F9B05DD0-3984-4FBA-BB3E-94BE6B169E97}"/>
               </a:ext>
             </a:extLst>
           </p:cNvPr>
@@ -5556,7 +5600,7 @@
           <p:cNvPr id="3" name="Slide Number Placeholder 2">
             <a:extLst>
               <a:ext uri="{FF2B5EF4-FFF2-40B4-BE49-F238E27FC236}">
-                <a16:creationId xmlns:a16="http://schemas.microsoft.com/office/drawing/2014/main" id="{9026E19F-A6A6-4B77-9AE0-344C2D27A38C}"/>
+                <a16:creationId xmlns="" xmlns:a16="http://schemas.microsoft.com/office/drawing/2014/main" id="{9026E19F-A6A6-4B77-9AE0-344C2D27A38C}"/>
               </a:ext>
             </a:extLst>
           </p:cNvPr>
@@ -5731,7 +5775,7 @@
           <p:cNvPr id="3" name="Slide Number Placeholder 2">
             <a:extLst>
               <a:ext uri="{FF2B5EF4-FFF2-40B4-BE49-F238E27FC236}">
-                <a16:creationId xmlns:a16="http://schemas.microsoft.com/office/drawing/2014/main" id="{BD6C01DA-4435-4521-A2C7-655255A2BFF3}"/>
+                <a16:creationId xmlns="" xmlns:a16="http://schemas.microsoft.com/office/drawing/2014/main" id="{BD6C01DA-4435-4521-A2C7-655255A2BFF3}"/>
               </a:ext>
             </a:extLst>
           </p:cNvPr>
@@ -5881,7 +5925,7 @@
           <p:cNvPr id="3" name="Slide Number Placeholder 2">
             <a:extLst>
               <a:ext uri="{FF2B5EF4-FFF2-40B4-BE49-F238E27FC236}">
-                <a16:creationId xmlns:a16="http://schemas.microsoft.com/office/drawing/2014/main" id="{59C3BFE0-89BD-4615-A395-52BFA8917F98}"/>
+                <a16:creationId xmlns="" xmlns:a16="http://schemas.microsoft.com/office/drawing/2014/main" id="{59C3BFE0-89BD-4615-A395-52BFA8917F98}"/>
               </a:ext>
             </a:extLst>
           </p:cNvPr>
@@ -5944,7 +5988,7 @@
           <p:cNvPr id="2" name="Title 1">
             <a:extLst>
               <a:ext uri="{FF2B5EF4-FFF2-40B4-BE49-F238E27FC236}">
-                <a16:creationId xmlns:a16="http://schemas.microsoft.com/office/drawing/2014/main" id="{4FDDDE79-84CD-4BD4-8191-64CD17F70EB2}"/>
+                <a16:creationId xmlns="" xmlns:a16="http://schemas.microsoft.com/office/drawing/2014/main" id="{4FDDDE79-84CD-4BD4-8191-64CD17F70EB2}"/>
               </a:ext>
             </a:extLst>
           </p:cNvPr>
@@ -5961,8 +6005,12 @@
           <a:lstStyle/>
           <a:p>
             <a:r>
+              <a:rPr lang="en-US" smtClean="0"/>
+              <a:t>Cryptography </a:t>
+            </a:r>
+            <a:r>
               <a:rPr lang="en-US" dirty="0"/>
-              <a:t>Cryptography Module</a:t>
+              <a:t>Module</a:t>
             </a:r>
           </a:p>
         </p:txBody>
@@ -5972,7 +6020,7 @@
           <p:cNvPr id="3" name="Content Placeholder 2">
             <a:extLst>
               <a:ext uri="{FF2B5EF4-FFF2-40B4-BE49-F238E27FC236}">
-                <a16:creationId xmlns:a16="http://schemas.microsoft.com/office/drawing/2014/main" id="{1E11D7D9-AFF5-4F1C-A116-5D460DCCEF0D}"/>
+                <a16:creationId xmlns="" xmlns:a16="http://schemas.microsoft.com/office/drawing/2014/main" id="{1E11D7D9-AFF5-4F1C-A116-5D460DCCEF0D}"/>
               </a:ext>
             </a:extLst>
           </p:cNvPr>
@@ -6050,7 +6098,7 @@
           <p:cNvPr id="4" name="Slide Number Placeholder 3">
             <a:extLst>
               <a:ext uri="{FF2B5EF4-FFF2-40B4-BE49-F238E27FC236}">
-                <a16:creationId xmlns:a16="http://schemas.microsoft.com/office/drawing/2014/main" id="{95BCECBD-F96D-47DA-9A6D-248B240ABC8D}"/>
+                <a16:creationId xmlns="" xmlns:a16="http://schemas.microsoft.com/office/drawing/2014/main" id="{95BCECBD-F96D-47DA-9A6D-248B240ABC8D}"/>
               </a:ext>
             </a:extLst>
           </p:cNvPr>
@@ -6392,7 +6440,7 @@
           <p:cNvPr id="3" name="Slide Number Placeholder 2">
             <a:extLst>
               <a:ext uri="{FF2B5EF4-FFF2-40B4-BE49-F238E27FC236}">
-                <a16:creationId xmlns:a16="http://schemas.microsoft.com/office/drawing/2014/main" id="{7243F4F5-A6EA-43F3-B12A-3FDCA09BD91E}"/>
+                <a16:creationId xmlns="" xmlns:a16="http://schemas.microsoft.com/office/drawing/2014/main" id="{7243F4F5-A6EA-43F3-B12A-3FDCA09BD91E}"/>
               </a:ext>
             </a:extLst>
           </p:cNvPr>
@@ -6536,7 +6584,7 @@
           <p:cNvPr id="3" name="Slide Number Placeholder 2">
             <a:extLst>
               <a:ext uri="{FF2B5EF4-FFF2-40B4-BE49-F238E27FC236}">
-                <a16:creationId xmlns:a16="http://schemas.microsoft.com/office/drawing/2014/main" id="{55C0C357-E28E-48CF-B9C6-709497114410}"/>
+                <a16:creationId xmlns="" xmlns:a16="http://schemas.microsoft.com/office/drawing/2014/main" id="{55C0C357-E28E-48CF-B9C6-709497114410}"/>
               </a:ext>
             </a:extLst>
           </p:cNvPr>
@@ -6726,7 +6774,7 @@
           <p:cNvPr id="3" name="Slide Number Placeholder 2">
             <a:extLst>
               <a:ext uri="{FF2B5EF4-FFF2-40B4-BE49-F238E27FC236}">
-                <a16:creationId xmlns:a16="http://schemas.microsoft.com/office/drawing/2014/main" id="{73C5D31E-AECA-4768-AB83-12B43A14DBE3}"/>
+                <a16:creationId xmlns="" xmlns:a16="http://schemas.microsoft.com/office/drawing/2014/main" id="{73C5D31E-AECA-4768-AB83-12B43A14DBE3}"/>
               </a:ext>
             </a:extLst>
           </p:cNvPr>
@@ -6911,7 +6959,7 @@
           <p:cNvPr id="3" name="Slide Number Placeholder 2">
             <a:extLst>
               <a:ext uri="{FF2B5EF4-FFF2-40B4-BE49-F238E27FC236}">
-                <a16:creationId xmlns:a16="http://schemas.microsoft.com/office/drawing/2014/main" id="{878F930F-191F-4F5A-A3B5-BFF2961F08D6}"/>
+                <a16:creationId xmlns="" xmlns:a16="http://schemas.microsoft.com/office/drawing/2014/main" id="{878F930F-191F-4F5A-A3B5-BFF2961F08D6}"/>
               </a:ext>
             </a:extLst>
           </p:cNvPr>
@@ -7349,7 +7397,7 @@
           <p:cNvPr id="3" name="Slide Number Placeholder 2">
             <a:extLst>
               <a:ext uri="{FF2B5EF4-FFF2-40B4-BE49-F238E27FC236}">
-                <a16:creationId xmlns:a16="http://schemas.microsoft.com/office/drawing/2014/main" id="{6AD302C4-30CB-4FAE-BCD9-D629ECD6367A}"/>
+                <a16:creationId xmlns="" xmlns:a16="http://schemas.microsoft.com/office/drawing/2014/main" id="{6AD302C4-30CB-4FAE-BCD9-D629ECD6367A}"/>
               </a:ext>
             </a:extLst>
           </p:cNvPr>
@@ -7617,7 +7665,7 @@
           <p:cNvPr id="3" name="Slide Number Placeholder 2">
             <a:extLst>
               <a:ext uri="{FF2B5EF4-FFF2-40B4-BE49-F238E27FC236}">
-                <a16:creationId xmlns:a16="http://schemas.microsoft.com/office/drawing/2014/main" id="{764E711A-56A2-4C55-B1E7-FF7159FB6E04}"/>
+                <a16:creationId xmlns="" xmlns:a16="http://schemas.microsoft.com/office/drawing/2014/main" id="{764E711A-56A2-4C55-B1E7-FF7159FB6E04}"/>
               </a:ext>
             </a:extLst>
           </p:cNvPr>
@@ -8018,7 +8066,7 @@
           <p:cNvPr id="3" name="Slide Number Placeholder 2">
             <a:extLst>
               <a:ext uri="{FF2B5EF4-FFF2-40B4-BE49-F238E27FC236}">
-                <a16:creationId xmlns:a16="http://schemas.microsoft.com/office/drawing/2014/main" id="{2C08216F-3A42-4611-9665-DF69531A7156}"/>
+                <a16:creationId xmlns="" xmlns:a16="http://schemas.microsoft.com/office/drawing/2014/main" id="{2C08216F-3A42-4611-9665-DF69531A7156}"/>
               </a:ext>
             </a:extLst>
           </p:cNvPr>
@@ -8492,7 +8540,7 @@
           <p:cNvPr id="3" name="Slide Number Placeholder 2">
             <a:extLst>
               <a:ext uri="{FF2B5EF4-FFF2-40B4-BE49-F238E27FC236}">
-                <a16:creationId xmlns:a16="http://schemas.microsoft.com/office/drawing/2014/main" id="{6B245441-ACA7-402C-B74B-DE3E381271FC}"/>
+                <a16:creationId xmlns="" xmlns:a16="http://schemas.microsoft.com/office/drawing/2014/main" id="{6B245441-ACA7-402C-B74B-DE3E381271FC}"/>
               </a:ext>
             </a:extLst>
           </p:cNvPr>
@@ -8959,7 +9007,7 @@
           <p:cNvPr id="3" name="Slide Number Placeholder 2">
             <a:extLst>
               <a:ext uri="{FF2B5EF4-FFF2-40B4-BE49-F238E27FC236}">
-                <a16:creationId xmlns:a16="http://schemas.microsoft.com/office/drawing/2014/main" id="{1251EDD6-A8C0-46E4-BD58-13A33ADBF2C0}"/>
+                <a16:creationId xmlns="" xmlns:a16="http://schemas.microsoft.com/office/drawing/2014/main" id="{1251EDD6-A8C0-46E4-BD58-13A33ADBF2C0}"/>
               </a:ext>
             </a:extLst>
           </p:cNvPr>
@@ -9121,7 +9169,7 @@
           <p:cNvPr id="3" name="Slide Number Placeholder 2">
             <a:extLst>
               <a:ext uri="{FF2B5EF4-FFF2-40B4-BE49-F238E27FC236}">
-                <a16:creationId xmlns:a16="http://schemas.microsoft.com/office/drawing/2014/main" id="{95ADE49C-0CD9-482E-9F97-8300E110A53A}"/>
+                <a16:creationId xmlns="" xmlns:a16="http://schemas.microsoft.com/office/drawing/2014/main" id="{95ADE49C-0CD9-482E-9F97-8300E110A53A}"/>
               </a:ext>
             </a:extLst>
           </p:cNvPr>
@@ -9249,7 +9297,7 @@
           <p:cNvPr id="3" name="Slide Number Placeholder 2">
             <a:extLst>
               <a:ext uri="{FF2B5EF4-FFF2-40B4-BE49-F238E27FC236}">
-                <a16:creationId xmlns:a16="http://schemas.microsoft.com/office/drawing/2014/main" id="{0B1163B0-19D9-4859-8B88-CD4B646011C3}"/>
+                <a16:creationId xmlns="" xmlns:a16="http://schemas.microsoft.com/office/drawing/2014/main" id="{0B1163B0-19D9-4859-8B88-CD4B646011C3}"/>
               </a:ext>
             </a:extLst>
           </p:cNvPr>
@@ -9385,7 +9433,7 @@
           <p:cNvPr id="3" name="Slide Number Placeholder 2">
             <a:extLst>
               <a:ext uri="{FF2B5EF4-FFF2-40B4-BE49-F238E27FC236}">
-                <a16:creationId xmlns:a16="http://schemas.microsoft.com/office/drawing/2014/main" id="{85D0D8B3-8D3B-403D-9225-460D0E293E4C}"/>
+                <a16:creationId xmlns="" xmlns:a16="http://schemas.microsoft.com/office/drawing/2014/main" id="{85D0D8B3-8D3B-403D-9225-460D0E293E4C}"/>
               </a:ext>
             </a:extLst>
           </p:cNvPr>
@@ -9545,7 +9593,7 @@
           <p:cNvPr id="3" name="Slide Number Placeholder 2">
             <a:extLst>
               <a:ext uri="{FF2B5EF4-FFF2-40B4-BE49-F238E27FC236}">
-                <a16:creationId xmlns:a16="http://schemas.microsoft.com/office/drawing/2014/main" id="{64C2C6C6-72C8-486B-9BB1-73FA7ECB655C}"/>
+                <a16:creationId xmlns="" xmlns:a16="http://schemas.microsoft.com/office/drawing/2014/main" id="{64C2C6C6-72C8-486B-9BB1-73FA7ECB655C}"/>
               </a:ext>
             </a:extLst>
           </p:cNvPr>
@@ -9681,7 +9729,7 @@
           <p:cNvPr id="3" name="Slide Number Placeholder 2">
             <a:extLst>
               <a:ext uri="{FF2B5EF4-FFF2-40B4-BE49-F238E27FC236}">
-                <a16:creationId xmlns:a16="http://schemas.microsoft.com/office/drawing/2014/main" id="{8046953F-5D7C-42AD-A8D5-D8D14DDBE2A5}"/>
+                <a16:creationId xmlns="" xmlns:a16="http://schemas.microsoft.com/office/drawing/2014/main" id="{8046953F-5D7C-42AD-A8D5-D8D14DDBE2A5}"/>
               </a:ext>
             </a:extLst>
           </p:cNvPr>
@@ -10430,7 +10478,7 @@
           <p:cNvPr id="3" name="Slide Number Placeholder 2">
             <a:extLst>
               <a:ext uri="{FF2B5EF4-FFF2-40B4-BE49-F238E27FC236}">
-                <a16:creationId xmlns:a16="http://schemas.microsoft.com/office/drawing/2014/main" id="{156958C1-9EC3-47D4-B85B-5215C86EF153}"/>
+                <a16:creationId xmlns="" xmlns:a16="http://schemas.microsoft.com/office/drawing/2014/main" id="{156958C1-9EC3-47D4-B85B-5215C86EF153}"/>
               </a:ext>
             </a:extLst>
           </p:cNvPr>
@@ -11117,7 +11165,7 @@
           <p:cNvPr id="3" name="Slide Number Placeholder 2">
             <a:extLst>
               <a:ext uri="{FF2B5EF4-FFF2-40B4-BE49-F238E27FC236}">
-                <a16:creationId xmlns:a16="http://schemas.microsoft.com/office/drawing/2014/main" id="{187EE907-F822-49B6-9C21-78A4D98A9F3D}"/>
+                <a16:creationId xmlns="" xmlns:a16="http://schemas.microsoft.com/office/drawing/2014/main" id="{187EE907-F822-49B6-9C21-78A4D98A9F3D}"/>
               </a:ext>
             </a:extLst>
           </p:cNvPr>
@@ -11454,7 +11502,7 @@
           <p:cNvPr id="3" name="Slide Number Placeholder 2">
             <a:extLst>
               <a:ext uri="{FF2B5EF4-FFF2-40B4-BE49-F238E27FC236}">
-                <a16:creationId xmlns:a16="http://schemas.microsoft.com/office/drawing/2014/main" id="{84589750-C741-468B-9139-072B2F14D942}"/>
+                <a16:creationId xmlns="" xmlns:a16="http://schemas.microsoft.com/office/drawing/2014/main" id="{84589750-C741-468B-9139-072B2F14D942}"/>
               </a:ext>
             </a:extLst>
           </p:cNvPr>
@@ -12137,7 +12185,7 @@
           <p:cNvPr id="3" name="Slide Number Placeholder 2">
             <a:extLst>
               <a:ext uri="{FF2B5EF4-FFF2-40B4-BE49-F238E27FC236}">
-                <a16:creationId xmlns:a16="http://schemas.microsoft.com/office/drawing/2014/main" id="{43CA09D9-2678-46D6-BE80-D59EC120DDBD}"/>
+                <a16:creationId xmlns="" xmlns:a16="http://schemas.microsoft.com/office/drawing/2014/main" id="{43CA09D9-2678-46D6-BE80-D59EC120DDBD}"/>
               </a:ext>
             </a:extLst>
           </p:cNvPr>
@@ -12281,7 +12329,7 @@
           <p:cNvPr id="3" name="Slide Number Placeholder 2">
             <a:extLst>
               <a:ext uri="{FF2B5EF4-FFF2-40B4-BE49-F238E27FC236}">
-                <a16:creationId xmlns:a16="http://schemas.microsoft.com/office/drawing/2014/main" id="{A181F014-6DEB-4D8D-9A4D-9FBA968EA516}"/>
+                <a16:creationId xmlns="" xmlns:a16="http://schemas.microsoft.com/office/drawing/2014/main" id="{A181F014-6DEB-4D8D-9A4D-9FBA968EA516}"/>
               </a:ext>
             </a:extLst>
           </p:cNvPr>
@@ -12394,7 +12442,7 @@
           <p:cNvPr id="3" name="Slide Number Placeholder 2">
             <a:extLst>
               <a:ext uri="{FF2B5EF4-FFF2-40B4-BE49-F238E27FC236}">
-                <a16:creationId xmlns:a16="http://schemas.microsoft.com/office/drawing/2014/main" id="{72BBA991-AA0D-47DE-ACCC-DED9B989D1BE}"/>
+                <a16:creationId xmlns="" xmlns:a16="http://schemas.microsoft.com/office/drawing/2014/main" id="{72BBA991-AA0D-47DE-ACCC-DED9B989D1BE}"/>
               </a:ext>
             </a:extLst>
           </p:cNvPr>
@@ -12529,7 +12577,7 @@
           <p:cNvPr id="3" name="Slide Number Placeholder 2">
             <a:extLst>
               <a:ext uri="{FF2B5EF4-FFF2-40B4-BE49-F238E27FC236}">
-                <a16:creationId xmlns:a16="http://schemas.microsoft.com/office/drawing/2014/main" id="{B1B82FE7-F6BC-4D73-8A83-2D6E5CFD8A90}"/>
+                <a16:creationId xmlns="" xmlns:a16="http://schemas.microsoft.com/office/drawing/2014/main" id="{B1B82FE7-F6BC-4D73-8A83-2D6E5CFD8A90}"/>
               </a:ext>
             </a:extLst>
           </p:cNvPr>
@@ -12648,7 +12696,7 @@
           <p:cNvPr id="2" name="Slide Number Placeholder 1">
             <a:extLst>
               <a:ext uri="{FF2B5EF4-FFF2-40B4-BE49-F238E27FC236}">
-                <a16:creationId xmlns:a16="http://schemas.microsoft.com/office/drawing/2014/main" id="{3CD86DBD-7C2C-44B5-8DF1-3F4BF0517C28}"/>
+                <a16:creationId xmlns="" xmlns:a16="http://schemas.microsoft.com/office/drawing/2014/main" id="{3CD86DBD-7C2C-44B5-8DF1-3F4BF0517C28}"/>
               </a:ext>
             </a:extLst>
           </p:cNvPr>
@@ -12791,7 +12839,7 @@
           <p:cNvPr id="3" name="Slide Number Placeholder 2">
             <a:extLst>
               <a:ext uri="{FF2B5EF4-FFF2-40B4-BE49-F238E27FC236}">
-                <a16:creationId xmlns:a16="http://schemas.microsoft.com/office/drawing/2014/main" id="{779CC7F4-F989-4B2C-A3AF-B84AEF938FD7}"/>
+                <a16:creationId xmlns="" xmlns:a16="http://schemas.microsoft.com/office/drawing/2014/main" id="{779CC7F4-F989-4B2C-A3AF-B84AEF938FD7}"/>
               </a:ext>
             </a:extLst>
           </p:cNvPr>
@@ -12940,7 +12988,7 @@
           <p:cNvPr id="3" name="Slide Number Placeholder 2">
             <a:extLst>
               <a:ext uri="{FF2B5EF4-FFF2-40B4-BE49-F238E27FC236}">
-                <a16:creationId xmlns:a16="http://schemas.microsoft.com/office/drawing/2014/main" id="{A48B863F-695F-4B49-9976-801FBDD52707}"/>
+                <a16:creationId xmlns="" xmlns:a16="http://schemas.microsoft.com/office/drawing/2014/main" id="{A48B863F-695F-4B49-9976-801FBDD52707}"/>
               </a:ext>
             </a:extLst>
           </p:cNvPr>
@@ -13079,7 +13127,7 @@
           <p:cNvPr id="3" name="Slide Number Placeholder 2">
             <a:extLst>
               <a:ext uri="{FF2B5EF4-FFF2-40B4-BE49-F238E27FC236}">
-                <a16:creationId xmlns:a16="http://schemas.microsoft.com/office/drawing/2014/main" id="{7CBB7864-EB3E-419D-A7FF-0E125BA3A0A5}"/>
+                <a16:creationId xmlns="" xmlns:a16="http://schemas.microsoft.com/office/drawing/2014/main" id="{7CBB7864-EB3E-419D-A7FF-0E125BA3A0A5}"/>
               </a:ext>
             </a:extLst>
           </p:cNvPr>
@@ -13246,7 +13294,7 @@
           <p:cNvPr id="3" name="Slide Number Placeholder 2">
             <a:extLst>
               <a:ext uri="{FF2B5EF4-FFF2-40B4-BE49-F238E27FC236}">
-                <a16:creationId xmlns:a16="http://schemas.microsoft.com/office/drawing/2014/main" id="{D25D9622-9E22-47B3-A611-9E93BEB50925}"/>
+                <a16:creationId xmlns="" xmlns:a16="http://schemas.microsoft.com/office/drawing/2014/main" id="{D25D9622-9E22-47B3-A611-9E93BEB50925}"/>
               </a:ext>
             </a:extLst>
           </p:cNvPr>
@@ -13293,7 +13341,7 @@
 </file>
 
 <file path=ppt/slides/slide44.xml><?xml version="1.0" encoding="utf-8"?>
-<p:sld xmlns:a="http://schemas.openxmlformats.org/drawingml/2006/main" xmlns:r="http://schemas.openxmlformats.org/officeDocument/2006/relationships" xmlns:p="http://schemas.openxmlformats.org/presentationml/2006/main">
+<p:sld xmlns:a="http://schemas.openxmlformats.org/drawingml/2006/main" xmlns:r="http://schemas.openxmlformats.org/officeDocument/2006/relationships" xmlns:p="http://schemas.openxmlformats.org/presentationml/2006/main" show="0">
   <p:cSld>
     <p:spTree>
       <p:nvGrpSpPr>
@@ -13326,7 +13374,7 @@
           <a:p>
             <a:r>
               <a:rPr lang="en-US" altLang="en-US" dirty="0"/>
-              <a:t>Security of Public Key Encryption (part 2)</a:t>
+              <a:t>Security of Public Key Encryption (part 3)</a:t>
             </a:r>
           </a:p>
         </p:txBody>
@@ -13405,7 +13453,7 @@
           <p:cNvPr id="3" name="Slide Number Placeholder 2">
             <a:extLst>
               <a:ext uri="{FF2B5EF4-FFF2-40B4-BE49-F238E27FC236}">
-                <a16:creationId xmlns:a16="http://schemas.microsoft.com/office/drawing/2014/main" id="{4A00A07A-A61F-46DC-9B55-63B30BE3D505}"/>
+                <a16:creationId xmlns="" xmlns:a16="http://schemas.microsoft.com/office/drawing/2014/main" id="{4A00A07A-A61F-46DC-9B55-63B30BE3D505}"/>
               </a:ext>
             </a:extLst>
           </p:cNvPr>
@@ -13443,6 +13491,14 @@
   <p:clrMapOvr>
     <a:masterClrMapping/>
   </p:clrMapOvr>
+  <mc:AlternateContent xmlns:mc="http://schemas.openxmlformats.org/markup-compatibility/2006">
+    <mc:Choice xmlns:p14="http://schemas.microsoft.com/office/powerpoint/2010/main" Requires="p14">
+      <p:transition spd="slow" p14:dur="2000"/>
+    </mc:Choice>
+    <mc:Fallback>
+      <p:transition spd="slow"/>
+    </mc:Fallback>
+  </mc:AlternateContent>
 </p:sld>
 </file>
 
@@ -13479,8 +13535,8 @@
           <a:lstStyle/>
           <a:p>
             <a:r>
-              <a:rPr lang="en-US" altLang="en-US" dirty="0"/>
-              <a:t>Security of Public Key Encryption (part 3)</a:t>
+              <a:rPr lang="en-US" altLang="en-US"/>
+              <a:t>Security of Public Key Encryption</a:t>
             </a:r>
           </a:p>
         </p:txBody>
@@ -13547,7 +13603,7 @@
           <p:cNvPr id="3" name="Slide Number Placeholder 2">
             <a:extLst>
               <a:ext uri="{FF2B5EF4-FFF2-40B4-BE49-F238E27FC236}">
-                <a16:creationId xmlns:a16="http://schemas.microsoft.com/office/drawing/2014/main" id="{BA37082E-2374-4AB4-AC36-C4D720A16F3E}"/>
+                <a16:creationId xmlns="" xmlns:a16="http://schemas.microsoft.com/office/drawing/2014/main" id="{BA37082E-2374-4AB4-AC36-C4D720A16F3E}"/>
               </a:ext>
             </a:extLst>
           </p:cNvPr>
@@ -13622,7 +13678,7 @@
           <a:p>
             <a:r>
               <a:rPr lang="en-US" altLang="en-US" dirty="0"/>
-              <a:t>Security of Public Key Encryption (part 4)</a:t>
+              <a:t>Security of Public Key Encryption (part 3)</a:t>
             </a:r>
           </a:p>
         </p:txBody>
@@ -13689,7 +13745,7 @@
           <p:cNvPr id="3" name="Slide Number Placeholder 2">
             <a:extLst>
               <a:ext uri="{FF2B5EF4-FFF2-40B4-BE49-F238E27FC236}">
-                <a16:creationId xmlns:a16="http://schemas.microsoft.com/office/drawing/2014/main" id="{37EEA1D3-85A0-4A73-9B56-30E876B1042B}"/>
+                <a16:creationId xmlns="" xmlns:a16="http://schemas.microsoft.com/office/drawing/2014/main" id="{37EEA1D3-85A0-4A73-9B56-30E876B1042B}"/>
               </a:ext>
             </a:extLst>
           </p:cNvPr>
@@ -13752,7 +13808,7 @@
           <p:cNvPr id="11" name="Title 10">
             <a:extLst>
               <a:ext uri="{FF2B5EF4-FFF2-40B4-BE49-F238E27FC236}">
-                <a16:creationId xmlns:a16="http://schemas.microsoft.com/office/drawing/2014/main" id="{1F52A716-5142-4987-84C0-078D1007C406}"/>
+                <a16:creationId xmlns="" xmlns:a16="http://schemas.microsoft.com/office/drawing/2014/main" id="{1F52A716-5142-4987-84C0-078D1007C406}"/>
               </a:ext>
             </a:extLst>
           </p:cNvPr>
@@ -13777,7 +13833,7 @@
           <p:cNvPr id="2" name="Slide Number Placeholder 1">
             <a:extLst>
               <a:ext uri="{FF2B5EF4-FFF2-40B4-BE49-F238E27FC236}">
-                <a16:creationId xmlns:a16="http://schemas.microsoft.com/office/drawing/2014/main" id="{68E7E42E-59F7-4E59-B615-38E41297994C}"/>
+                <a16:creationId xmlns="" xmlns:a16="http://schemas.microsoft.com/office/drawing/2014/main" id="{68E7E42E-59F7-4E59-B615-38E41297994C}"/>
               </a:ext>
             </a:extLst>
           </p:cNvPr>
@@ -13931,7 +13987,7 @@
           <p:cNvPr id="3" name="Slide Number Placeholder 2">
             <a:extLst>
               <a:ext uri="{FF2B5EF4-FFF2-40B4-BE49-F238E27FC236}">
-                <a16:creationId xmlns:a16="http://schemas.microsoft.com/office/drawing/2014/main" id="{A2372BCB-15B6-4002-9754-6F66B05ECDD2}"/>
+                <a16:creationId xmlns="" xmlns:a16="http://schemas.microsoft.com/office/drawing/2014/main" id="{A2372BCB-15B6-4002-9754-6F66B05ECDD2}"/>
               </a:ext>
             </a:extLst>
           </p:cNvPr>
@@ -14087,7 +14143,7 @@
           <p:cNvPr id="3" name="Slide Number Placeholder 2">
             <a:extLst>
               <a:ext uri="{FF2B5EF4-FFF2-40B4-BE49-F238E27FC236}">
-                <a16:creationId xmlns:a16="http://schemas.microsoft.com/office/drawing/2014/main" id="{36AE9605-C6A4-46F3-BE81-4FABBCD6ED93}"/>
+                <a16:creationId xmlns="" xmlns:a16="http://schemas.microsoft.com/office/drawing/2014/main" id="{36AE9605-C6A4-46F3-BE81-4FABBCD6ED93}"/>
               </a:ext>
             </a:extLst>
           </p:cNvPr>
@@ -14225,7 +14281,7 @@
           <p:cNvPr id="3" name="Slide Number Placeholder 2">
             <a:extLst>
               <a:ext uri="{FF2B5EF4-FFF2-40B4-BE49-F238E27FC236}">
-                <a16:creationId xmlns:a16="http://schemas.microsoft.com/office/drawing/2014/main" id="{CFD50F3F-44C6-4309-ACDC-7506D9E92EA8}"/>
+                <a16:creationId xmlns="" xmlns:a16="http://schemas.microsoft.com/office/drawing/2014/main" id="{CFD50F3F-44C6-4309-ACDC-7506D9E92EA8}"/>
               </a:ext>
             </a:extLst>
           </p:cNvPr>
@@ -14351,7 +14407,7 @@
           <p:cNvPr id="3" name="Slide Number Placeholder 2">
             <a:extLst>
               <a:ext uri="{FF2B5EF4-FFF2-40B4-BE49-F238E27FC236}">
-                <a16:creationId xmlns:a16="http://schemas.microsoft.com/office/drawing/2014/main" id="{5BC54C20-E51A-4AA2-8887-5979BE42642F}"/>
+                <a16:creationId xmlns="" xmlns:a16="http://schemas.microsoft.com/office/drawing/2014/main" id="{5BC54C20-E51A-4AA2-8887-5979BE42642F}"/>
               </a:ext>
             </a:extLst>
           </p:cNvPr>
@@ -14483,7 +14539,7 @@
           <p:cNvPr id="3" name="Slide Number Placeholder 2">
             <a:extLst>
               <a:ext uri="{FF2B5EF4-FFF2-40B4-BE49-F238E27FC236}">
-                <a16:creationId xmlns:a16="http://schemas.microsoft.com/office/drawing/2014/main" id="{E3D98535-8A9A-4913-947D-E94AFBAC8FF3}"/>
+                <a16:creationId xmlns="" xmlns:a16="http://schemas.microsoft.com/office/drawing/2014/main" id="{E3D98535-8A9A-4913-947D-E94AFBAC8FF3}"/>
               </a:ext>
             </a:extLst>
           </p:cNvPr>

--- a/Network-Security/Module_2 Cryptography/Lesson_3_Crypto_Asymmetric.pptx
+++ b/Network-Security/Module_2 Cryptography/Lesson_3_Crypto_Asymmetric.pptx
@@ -54,7 +54,7 @@
     <p:sldId id="377" r:id="rId45"/>
     <p:sldId id="378" r:id="rId46"/>
     <p:sldId id="379" r:id="rId47"/>
-    <p:sldId id="333" r:id="rId48"/>
+    <p:sldId id="383" r:id="rId48"/>
   </p:sldIdLst>
   <p:sldSz cx="9144000" cy="6858000" type="screen4x3"/>
   <p:notesSz cx="7315200" cy="9601200"/>
@@ -314,7 +314,7 @@
               <a:pPr>
                 <a:defRPr/>
               </a:pPr>
-              <a:t>4/21/18</a:t>
+              <a:t>4/24/18</a:t>
             </a:fld>
             <a:endParaRPr lang="en-US"/>
           </a:p>
@@ -1009,7 +1009,7 @@
     </p:spTree>
     <p:extLst>
       <p:ext uri="{BB962C8B-B14F-4D97-AF65-F5344CB8AC3E}">
-        <p14:creationId xmlns:p14="http://schemas.microsoft.com/office/powerpoint/2010/main" val="2433617412"/>
+        <p14:creationId xmlns:p14="http://schemas.microsoft.com/office/powerpoint/2010/main" val="438649163"/>
       </p:ext>
     </p:extLst>
   </p:cSld>
@@ -3233,7 +3233,7 @@
           <p:cNvPr id="2" name="Title 1">
             <a:extLst>
               <a:ext uri="{FF2B5EF4-FFF2-40B4-BE49-F238E27FC236}">
-                <a16:creationId xmlns="" xmlns:a16="http://schemas.microsoft.com/office/drawing/2014/main" id="{5C287DE2-E1A2-4F41-96FE-94AF4425CB03}"/>
+                <a16:creationId xmlns:a16="http://schemas.microsoft.com/office/drawing/2014/main" xmlns="" id="{5C287DE2-E1A2-4F41-96FE-94AF4425CB03}"/>
               </a:ext>
             </a:extLst>
           </p:cNvPr>
@@ -3379,7 +3379,7 @@
           <p:cNvPr id="3" name="Slide Number Placeholder 2">
             <a:extLst>
               <a:ext uri="{FF2B5EF4-FFF2-40B4-BE49-F238E27FC236}">
-                <a16:creationId xmlns="" xmlns:a16="http://schemas.microsoft.com/office/drawing/2014/main" id="{7D2FFADE-E1BC-48C1-83AA-6DDDD39A33C4}"/>
+                <a16:creationId xmlns:a16="http://schemas.microsoft.com/office/drawing/2014/main" xmlns="" id="{7D2FFADE-E1BC-48C1-83AA-6DDDD39A33C4}"/>
               </a:ext>
             </a:extLst>
           </p:cNvPr>
@@ -3414,7 +3414,7 @@
           <p:cNvPr id="9" name="Picture 8">
             <a:extLst>
               <a:ext uri="{FF2B5EF4-FFF2-40B4-BE49-F238E27FC236}">
-                <a16:creationId xmlns="" xmlns:a16="http://schemas.microsoft.com/office/drawing/2014/main" id="{9CBFC76A-A606-42CF-BCDF-C73975C150B9}"/>
+                <a16:creationId xmlns:a16="http://schemas.microsoft.com/office/drawing/2014/main" xmlns="" id="{9CBFC76A-A606-42CF-BCDF-C73975C150B9}"/>
               </a:ext>
             </a:extLst>
           </p:cNvPr>
@@ -4539,7 +4539,7 @@
           <p:cNvPr id="3" name="Slide Number Placeholder 2">
             <a:extLst>
               <a:ext uri="{FF2B5EF4-FFF2-40B4-BE49-F238E27FC236}">
-                <a16:creationId xmlns="" xmlns:a16="http://schemas.microsoft.com/office/drawing/2014/main" id="{41062AC1-33B4-45AA-A39F-FC912A70AD57}"/>
+                <a16:creationId xmlns:a16="http://schemas.microsoft.com/office/drawing/2014/main" xmlns="" id="{41062AC1-33B4-45AA-A39F-FC912A70AD57}"/>
               </a:ext>
             </a:extLst>
           </p:cNvPr>
@@ -4702,7 +4702,7 @@
           <p:cNvPr id="3" name="Slide Number Placeholder 2">
             <a:extLst>
               <a:ext uri="{FF2B5EF4-FFF2-40B4-BE49-F238E27FC236}">
-                <a16:creationId xmlns="" xmlns:a16="http://schemas.microsoft.com/office/drawing/2014/main" id="{FE21B121-DDCA-4344-8B55-9830D5BD0979}"/>
+                <a16:creationId xmlns:a16="http://schemas.microsoft.com/office/drawing/2014/main" xmlns="" id="{FE21B121-DDCA-4344-8B55-9830D5BD0979}"/>
               </a:ext>
             </a:extLst>
           </p:cNvPr>
@@ -4827,7 +4827,7 @@
           <p:cNvPr id="3" name="Slide Number Placeholder 2">
             <a:extLst>
               <a:ext uri="{FF2B5EF4-FFF2-40B4-BE49-F238E27FC236}">
-                <a16:creationId xmlns="" xmlns:a16="http://schemas.microsoft.com/office/drawing/2014/main" id="{4659E69D-2187-4282-B420-8371AE17E9A7}"/>
+                <a16:creationId xmlns:a16="http://schemas.microsoft.com/office/drawing/2014/main" xmlns="" id="{4659E69D-2187-4282-B420-8371AE17E9A7}"/>
               </a:ext>
             </a:extLst>
           </p:cNvPr>
@@ -4979,7 +4979,7 @@
           <p:cNvPr id="3" name="Slide Number Placeholder 2">
             <a:extLst>
               <a:ext uri="{FF2B5EF4-FFF2-40B4-BE49-F238E27FC236}">
-                <a16:creationId xmlns="" xmlns:a16="http://schemas.microsoft.com/office/drawing/2014/main" id="{735EBA7F-742F-4EB9-9019-3EB086FFC7FE}"/>
+                <a16:creationId xmlns:a16="http://schemas.microsoft.com/office/drawing/2014/main" xmlns="" id="{735EBA7F-742F-4EB9-9019-3EB086FFC7FE}"/>
               </a:ext>
             </a:extLst>
           </p:cNvPr>
@@ -5111,7 +5111,7 @@
           <p:cNvPr id="3" name="Slide Number Placeholder 2">
             <a:extLst>
               <a:ext uri="{FF2B5EF4-FFF2-40B4-BE49-F238E27FC236}">
-                <a16:creationId xmlns="" xmlns:a16="http://schemas.microsoft.com/office/drawing/2014/main" id="{6632D509-6D51-4BD5-8B00-7D07FCB5FD43}"/>
+                <a16:creationId xmlns:a16="http://schemas.microsoft.com/office/drawing/2014/main" xmlns="" id="{6632D509-6D51-4BD5-8B00-7D07FCB5FD43}"/>
               </a:ext>
             </a:extLst>
           </p:cNvPr>
@@ -5253,7 +5253,7 @@
           <p:cNvPr id="3" name="Slide Number Placeholder 2">
             <a:extLst>
               <a:ext uri="{FF2B5EF4-FFF2-40B4-BE49-F238E27FC236}">
-                <a16:creationId xmlns="" xmlns:a16="http://schemas.microsoft.com/office/drawing/2014/main" id="{0224DD6B-E244-47E9-A5D0-6B497F9A90F9}"/>
+                <a16:creationId xmlns:a16="http://schemas.microsoft.com/office/drawing/2014/main" xmlns="" id="{0224DD6B-E244-47E9-A5D0-6B497F9A90F9}"/>
               </a:ext>
             </a:extLst>
           </p:cNvPr>
@@ -5423,7 +5423,7 @@
           <p:cNvPr id="3" name="Slide Number Placeholder 2">
             <a:extLst>
               <a:ext uri="{FF2B5EF4-FFF2-40B4-BE49-F238E27FC236}">
-                <a16:creationId xmlns="" xmlns:a16="http://schemas.microsoft.com/office/drawing/2014/main" id="{F9B05DD0-3984-4FBA-BB3E-94BE6B169E97}"/>
+                <a16:creationId xmlns:a16="http://schemas.microsoft.com/office/drawing/2014/main" xmlns="" id="{F9B05DD0-3984-4FBA-BB3E-94BE6B169E97}"/>
               </a:ext>
             </a:extLst>
           </p:cNvPr>
@@ -5600,7 +5600,7 @@
           <p:cNvPr id="3" name="Slide Number Placeholder 2">
             <a:extLst>
               <a:ext uri="{FF2B5EF4-FFF2-40B4-BE49-F238E27FC236}">
-                <a16:creationId xmlns="" xmlns:a16="http://schemas.microsoft.com/office/drawing/2014/main" id="{9026E19F-A6A6-4B77-9AE0-344C2D27A38C}"/>
+                <a16:creationId xmlns:a16="http://schemas.microsoft.com/office/drawing/2014/main" xmlns="" id="{9026E19F-A6A6-4B77-9AE0-344C2D27A38C}"/>
               </a:ext>
             </a:extLst>
           </p:cNvPr>
@@ -5775,7 +5775,7 @@
           <p:cNvPr id="3" name="Slide Number Placeholder 2">
             <a:extLst>
               <a:ext uri="{FF2B5EF4-FFF2-40B4-BE49-F238E27FC236}">
-                <a16:creationId xmlns="" xmlns:a16="http://schemas.microsoft.com/office/drawing/2014/main" id="{BD6C01DA-4435-4521-A2C7-655255A2BFF3}"/>
+                <a16:creationId xmlns:a16="http://schemas.microsoft.com/office/drawing/2014/main" xmlns="" id="{BD6C01DA-4435-4521-A2C7-655255A2BFF3}"/>
               </a:ext>
             </a:extLst>
           </p:cNvPr>
@@ -5925,7 +5925,7 @@
           <p:cNvPr id="3" name="Slide Number Placeholder 2">
             <a:extLst>
               <a:ext uri="{FF2B5EF4-FFF2-40B4-BE49-F238E27FC236}">
-                <a16:creationId xmlns="" xmlns:a16="http://schemas.microsoft.com/office/drawing/2014/main" id="{59C3BFE0-89BD-4615-A395-52BFA8917F98}"/>
+                <a16:creationId xmlns:a16="http://schemas.microsoft.com/office/drawing/2014/main" xmlns="" id="{59C3BFE0-89BD-4615-A395-52BFA8917F98}"/>
               </a:ext>
             </a:extLst>
           </p:cNvPr>
@@ -5988,7 +5988,7 @@
           <p:cNvPr id="2" name="Title 1">
             <a:extLst>
               <a:ext uri="{FF2B5EF4-FFF2-40B4-BE49-F238E27FC236}">
-                <a16:creationId xmlns="" xmlns:a16="http://schemas.microsoft.com/office/drawing/2014/main" id="{4FDDDE79-84CD-4BD4-8191-64CD17F70EB2}"/>
+                <a16:creationId xmlns:a16="http://schemas.microsoft.com/office/drawing/2014/main" xmlns="" id="{4FDDDE79-84CD-4BD4-8191-64CD17F70EB2}"/>
               </a:ext>
             </a:extLst>
           </p:cNvPr>
@@ -6020,7 +6020,7 @@
           <p:cNvPr id="3" name="Content Placeholder 2">
             <a:extLst>
               <a:ext uri="{FF2B5EF4-FFF2-40B4-BE49-F238E27FC236}">
-                <a16:creationId xmlns="" xmlns:a16="http://schemas.microsoft.com/office/drawing/2014/main" id="{1E11D7D9-AFF5-4F1C-A116-5D460DCCEF0D}"/>
+                <a16:creationId xmlns:a16="http://schemas.microsoft.com/office/drawing/2014/main" xmlns="" id="{1E11D7D9-AFF5-4F1C-A116-5D460DCCEF0D}"/>
               </a:ext>
             </a:extLst>
           </p:cNvPr>
@@ -6098,7 +6098,7 @@
           <p:cNvPr id="4" name="Slide Number Placeholder 3">
             <a:extLst>
               <a:ext uri="{FF2B5EF4-FFF2-40B4-BE49-F238E27FC236}">
-                <a16:creationId xmlns="" xmlns:a16="http://schemas.microsoft.com/office/drawing/2014/main" id="{95BCECBD-F96D-47DA-9A6D-248B240ABC8D}"/>
+                <a16:creationId xmlns:a16="http://schemas.microsoft.com/office/drawing/2014/main" xmlns="" id="{95BCECBD-F96D-47DA-9A6D-248B240ABC8D}"/>
               </a:ext>
             </a:extLst>
           </p:cNvPr>
@@ -6440,7 +6440,7 @@
           <p:cNvPr id="3" name="Slide Number Placeholder 2">
             <a:extLst>
               <a:ext uri="{FF2B5EF4-FFF2-40B4-BE49-F238E27FC236}">
-                <a16:creationId xmlns="" xmlns:a16="http://schemas.microsoft.com/office/drawing/2014/main" id="{7243F4F5-A6EA-43F3-B12A-3FDCA09BD91E}"/>
+                <a16:creationId xmlns:a16="http://schemas.microsoft.com/office/drawing/2014/main" xmlns="" id="{7243F4F5-A6EA-43F3-B12A-3FDCA09BD91E}"/>
               </a:ext>
             </a:extLst>
           </p:cNvPr>
@@ -6584,7 +6584,7 @@
           <p:cNvPr id="3" name="Slide Number Placeholder 2">
             <a:extLst>
               <a:ext uri="{FF2B5EF4-FFF2-40B4-BE49-F238E27FC236}">
-                <a16:creationId xmlns="" xmlns:a16="http://schemas.microsoft.com/office/drawing/2014/main" id="{55C0C357-E28E-48CF-B9C6-709497114410}"/>
+                <a16:creationId xmlns:a16="http://schemas.microsoft.com/office/drawing/2014/main" xmlns="" id="{55C0C357-E28E-48CF-B9C6-709497114410}"/>
               </a:ext>
             </a:extLst>
           </p:cNvPr>
@@ -6774,7 +6774,7 @@
           <p:cNvPr id="3" name="Slide Number Placeholder 2">
             <a:extLst>
               <a:ext uri="{FF2B5EF4-FFF2-40B4-BE49-F238E27FC236}">
-                <a16:creationId xmlns="" xmlns:a16="http://schemas.microsoft.com/office/drawing/2014/main" id="{73C5D31E-AECA-4768-AB83-12B43A14DBE3}"/>
+                <a16:creationId xmlns:a16="http://schemas.microsoft.com/office/drawing/2014/main" xmlns="" id="{73C5D31E-AECA-4768-AB83-12B43A14DBE3}"/>
               </a:ext>
             </a:extLst>
           </p:cNvPr>
@@ -6959,7 +6959,7 @@
           <p:cNvPr id="3" name="Slide Number Placeholder 2">
             <a:extLst>
               <a:ext uri="{FF2B5EF4-FFF2-40B4-BE49-F238E27FC236}">
-                <a16:creationId xmlns="" xmlns:a16="http://schemas.microsoft.com/office/drawing/2014/main" id="{878F930F-191F-4F5A-A3B5-BFF2961F08D6}"/>
+                <a16:creationId xmlns:a16="http://schemas.microsoft.com/office/drawing/2014/main" xmlns="" id="{878F930F-191F-4F5A-A3B5-BFF2961F08D6}"/>
               </a:ext>
             </a:extLst>
           </p:cNvPr>
@@ -7397,7 +7397,7 @@
           <p:cNvPr id="3" name="Slide Number Placeholder 2">
             <a:extLst>
               <a:ext uri="{FF2B5EF4-FFF2-40B4-BE49-F238E27FC236}">
-                <a16:creationId xmlns="" xmlns:a16="http://schemas.microsoft.com/office/drawing/2014/main" id="{6AD302C4-30CB-4FAE-BCD9-D629ECD6367A}"/>
+                <a16:creationId xmlns:a16="http://schemas.microsoft.com/office/drawing/2014/main" xmlns="" id="{6AD302C4-30CB-4FAE-BCD9-D629ECD6367A}"/>
               </a:ext>
             </a:extLst>
           </p:cNvPr>
@@ -7665,7 +7665,7 @@
           <p:cNvPr id="3" name="Slide Number Placeholder 2">
             <a:extLst>
               <a:ext uri="{FF2B5EF4-FFF2-40B4-BE49-F238E27FC236}">
-                <a16:creationId xmlns="" xmlns:a16="http://schemas.microsoft.com/office/drawing/2014/main" id="{764E711A-56A2-4C55-B1E7-FF7159FB6E04}"/>
+                <a16:creationId xmlns:a16="http://schemas.microsoft.com/office/drawing/2014/main" xmlns="" id="{764E711A-56A2-4C55-B1E7-FF7159FB6E04}"/>
               </a:ext>
             </a:extLst>
           </p:cNvPr>
@@ -8066,7 +8066,7 @@
           <p:cNvPr id="3" name="Slide Number Placeholder 2">
             <a:extLst>
               <a:ext uri="{FF2B5EF4-FFF2-40B4-BE49-F238E27FC236}">
-                <a16:creationId xmlns="" xmlns:a16="http://schemas.microsoft.com/office/drawing/2014/main" id="{2C08216F-3A42-4611-9665-DF69531A7156}"/>
+                <a16:creationId xmlns:a16="http://schemas.microsoft.com/office/drawing/2014/main" xmlns="" id="{2C08216F-3A42-4611-9665-DF69531A7156}"/>
               </a:ext>
             </a:extLst>
           </p:cNvPr>
@@ -8540,7 +8540,7 @@
           <p:cNvPr id="3" name="Slide Number Placeholder 2">
             <a:extLst>
               <a:ext uri="{FF2B5EF4-FFF2-40B4-BE49-F238E27FC236}">
-                <a16:creationId xmlns="" xmlns:a16="http://schemas.microsoft.com/office/drawing/2014/main" id="{6B245441-ACA7-402C-B74B-DE3E381271FC}"/>
+                <a16:creationId xmlns:a16="http://schemas.microsoft.com/office/drawing/2014/main" xmlns="" id="{6B245441-ACA7-402C-B74B-DE3E381271FC}"/>
               </a:ext>
             </a:extLst>
           </p:cNvPr>
@@ -9007,7 +9007,7 @@
           <p:cNvPr id="3" name="Slide Number Placeholder 2">
             <a:extLst>
               <a:ext uri="{FF2B5EF4-FFF2-40B4-BE49-F238E27FC236}">
-                <a16:creationId xmlns="" xmlns:a16="http://schemas.microsoft.com/office/drawing/2014/main" id="{1251EDD6-A8C0-46E4-BD58-13A33ADBF2C0}"/>
+                <a16:creationId xmlns:a16="http://schemas.microsoft.com/office/drawing/2014/main" xmlns="" id="{1251EDD6-A8C0-46E4-BD58-13A33ADBF2C0}"/>
               </a:ext>
             </a:extLst>
           </p:cNvPr>
@@ -9169,7 +9169,7 @@
           <p:cNvPr id="3" name="Slide Number Placeholder 2">
             <a:extLst>
               <a:ext uri="{FF2B5EF4-FFF2-40B4-BE49-F238E27FC236}">
-                <a16:creationId xmlns="" xmlns:a16="http://schemas.microsoft.com/office/drawing/2014/main" id="{95ADE49C-0CD9-482E-9F97-8300E110A53A}"/>
+                <a16:creationId xmlns:a16="http://schemas.microsoft.com/office/drawing/2014/main" xmlns="" id="{95ADE49C-0CD9-482E-9F97-8300E110A53A}"/>
               </a:ext>
             </a:extLst>
           </p:cNvPr>
@@ -9297,7 +9297,7 @@
           <p:cNvPr id="3" name="Slide Number Placeholder 2">
             <a:extLst>
               <a:ext uri="{FF2B5EF4-FFF2-40B4-BE49-F238E27FC236}">
-                <a16:creationId xmlns="" xmlns:a16="http://schemas.microsoft.com/office/drawing/2014/main" id="{0B1163B0-19D9-4859-8B88-CD4B646011C3}"/>
+                <a16:creationId xmlns:a16="http://schemas.microsoft.com/office/drawing/2014/main" xmlns="" id="{0B1163B0-19D9-4859-8B88-CD4B646011C3}"/>
               </a:ext>
             </a:extLst>
           </p:cNvPr>
@@ -9433,7 +9433,7 @@
           <p:cNvPr id="3" name="Slide Number Placeholder 2">
             <a:extLst>
               <a:ext uri="{FF2B5EF4-FFF2-40B4-BE49-F238E27FC236}">
-                <a16:creationId xmlns="" xmlns:a16="http://schemas.microsoft.com/office/drawing/2014/main" id="{85D0D8B3-8D3B-403D-9225-460D0E293E4C}"/>
+                <a16:creationId xmlns:a16="http://schemas.microsoft.com/office/drawing/2014/main" xmlns="" id="{85D0D8B3-8D3B-403D-9225-460D0E293E4C}"/>
               </a:ext>
             </a:extLst>
           </p:cNvPr>
@@ -9593,7 +9593,7 @@
           <p:cNvPr id="3" name="Slide Number Placeholder 2">
             <a:extLst>
               <a:ext uri="{FF2B5EF4-FFF2-40B4-BE49-F238E27FC236}">
-                <a16:creationId xmlns="" xmlns:a16="http://schemas.microsoft.com/office/drawing/2014/main" id="{64C2C6C6-72C8-486B-9BB1-73FA7ECB655C}"/>
+                <a16:creationId xmlns:a16="http://schemas.microsoft.com/office/drawing/2014/main" xmlns="" id="{64C2C6C6-72C8-486B-9BB1-73FA7ECB655C}"/>
               </a:ext>
             </a:extLst>
           </p:cNvPr>
@@ -9729,7 +9729,7 @@
           <p:cNvPr id="3" name="Slide Number Placeholder 2">
             <a:extLst>
               <a:ext uri="{FF2B5EF4-FFF2-40B4-BE49-F238E27FC236}">
-                <a16:creationId xmlns="" xmlns:a16="http://schemas.microsoft.com/office/drawing/2014/main" id="{8046953F-5D7C-42AD-A8D5-D8D14DDBE2A5}"/>
+                <a16:creationId xmlns:a16="http://schemas.microsoft.com/office/drawing/2014/main" xmlns="" id="{8046953F-5D7C-42AD-A8D5-D8D14DDBE2A5}"/>
               </a:ext>
             </a:extLst>
           </p:cNvPr>
@@ -10478,7 +10478,7 @@
           <p:cNvPr id="3" name="Slide Number Placeholder 2">
             <a:extLst>
               <a:ext uri="{FF2B5EF4-FFF2-40B4-BE49-F238E27FC236}">
-                <a16:creationId xmlns="" xmlns:a16="http://schemas.microsoft.com/office/drawing/2014/main" id="{156958C1-9EC3-47D4-B85B-5215C86EF153}"/>
+                <a16:creationId xmlns:a16="http://schemas.microsoft.com/office/drawing/2014/main" xmlns="" id="{156958C1-9EC3-47D4-B85B-5215C86EF153}"/>
               </a:ext>
             </a:extLst>
           </p:cNvPr>
@@ -11165,7 +11165,7 @@
           <p:cNvPr id="3" name="Slide Number Placeholder 2">
             <a:extLst>
               <a:ext uri="{FF2B5EF4-FFF2-40B4-BE49-F238E27FC236}">
-                <a16:creationId xmlns="" xmlns:a16="http://schemas.microsoft.com/office/drawing/2014/main" id="{187EE907-F822-49B6-9C21-78A4D98A9F3D}"/>
+                <a16:creationId xmlns:a16="http://schemas.microsoft.com/office/drawing/2014/main" xmlns="" id="{187EE907-F822-49B6-9C21-78A4D98A9F3D}"/>
               </a:ext>
             </a:extLst>
           </p:cNvPr>
@@ -11502,7 +11502,7 @@
           <p:cNvPr id="3" name="Slide Number Placeholder 2">
             <a:extLst>
               <a:ext uri="{FF2B5EF4-FFF2-40B4-BE49-F238E27FC236}">
-                <a16:creationId xmlns="" xmlns:a16="http://schemas.microsoft.com/office/drawing/2014/main" id="{84589750-C741-468B-9139-072B2F14D942}"/>
+                <a16:creationId xmlns:a16="http://schemas.microsoft.com/office/drawing/2014/main" xmlns="" id="{84589750-C741-468B-9139-072B2F14D942}"/>
               </a:ext>
             </a:extLst>
           </p:cNvPr>
@@ -12185,7 +12185,7 @@
           <p:cNvPr id="3" name="Slide Number Placeholder 2">
             <a:extLst>
               <a:ext uri="{FF2B5EF4-FFF2-40B4-BE49-F238E27FC236}">
-                <a16:creationId xmlns="" xmlns:a16="http://schemas.microsoft.com/office/drawing/2014/main" id="{43CA09D9-2678-46D6-BE80-D59EC120DDBD}"/>
+                <a16:creationId xmlns:a16="http://schemas.microsoft.com/office/drawing/2014/main" xmlns="" id="{43CA09D9-2678-46D6-BE80-D59EC120DDBD}"/>
               </a:ext>
             </a:extLst>
           </p:cNvPr>
@@ -12329,7 +12329,7 @@
           <p:cNvPr id="3" name="Slide Number Placeholder 2">
             <a:extLst>
               <a:ext uri="{FF2B5EF4-FFF2-40B4-BE49-F238E27FC236}">
-                <a16:creationId xmlns="" xmlns:a16="http://schemas.microsoft.com/office/drawing/2014/main" id="{A181F014-6DEB-4D8D-9A4D-9FBA968EA516}"/>
+                <a16:creationId xmlns:a16="http://schemas.microsoft.com/office/drawing/2014/main" xmlns="" id="{A181F014-6DEB-4D8D-9A4D-9FBA968EA516}"/>
               </a:ext>
             </a:extLst>
           </p:cNvPr>
@@ -12442,7 +12442,7 @@
           <p:cNvPr id="3" name="Slide Number Placeholder 2">
             <a:extLst>
               <a:ext uri="{FF2B5EF4-FFF2-40B4-BE49-F238E27FC236}">
-                <a16:creationId xmlns="" xmlns:a16="http://schemas.microsoft.com/office/drawing/2014/main" id="{72BBA991-AA0D-47DE-ACCC-DED9B989D1BE}"/>
+                <a16:creationId xmlns:a16="http://schemas.microsoft.com/office/drawing/2014/main" xmlns="" id="{72BBA991-AA0D-47DE-ACCC-DED9B989D1BE}"/>
               </a:ext>
             </a:extLst>
           </p:cNvPr>
@@ -12577,7 +12577,7 @@
           <p:cNvPr id="3" name="Slide Number Placeholder 2">
             <a:extLst>
               <a:ext uri="{FF2B5EF4-FFF2-40B4-BE49-F238E27FC236}">
-                <a16:creationId xmlns="" xmlns:a16="http://schemas.microsoft.com/office/drawing/2014/main" id="{B1B82FE7-F6BC-4D73-8A83-2D6E5CFD8A90}"/>
+                <a16:creationId xmlns:a16="http://schemas.microsoft.com/office/drawing/2014/main" xmlns="" id="{B1B82FE7-F6BC-4D73-8A83-2D6E5CFD8A90}"/>
               </a:ext>
             </a:extLst>
           </p:cNvPr>
@@ -12696,7 +12696,7 @@
           <p:cNvPr id="2" name="Slide Number Placeholder 1">
             <a:extLst>
               <a:ext uri="{FF2B5EF4-FFF2-40B4-BE49-F238E27FC236}">
-                <a16:creationId xmlns="" xmlns:a16="http://schemas.microsoft.com/office/drawing/2014/main" id="{3CD86DBD-7C2C-44B5-8DF1-3F4BF0517C28}"/>
+                <a16:creationId xmlns:a16="http://schemas.microsoft.com/office/drawing/2014/main" xmlns="" id="{3CD86DBD-7C2C-44B5-8DF1-3F4BF0517C28}"/>
               </a:ext>
             </a:extLst>
           </p:cNvPr>
@@ -12839,7 +12839,7 @@
           <p:cNvPr id="3" name="Slide Number Placeholder 2">
             <a:extLst>
               <a:ext uri="{FF2B5EF4-FFF2-40B4-BE49-F238E27FC236}">
-                <a16:creationId xmlns="" xmlns:a16="http://schemas.microsoft.com/office/drawing/2014/main" id="{779CC7F4-F989-4B2C-A3AF-B84AEF938FD7}"/>
+                <a16:creationId xmlns:a16="http://schemas.microsoft.com/office/drawing/2014/main" xmlns="" id="{779CC7F4-F989-4B2C-A3AF-B84AEF938FD7}"/>
               </a:ext>
             </a:extLst>
           </p:cNvPr>
@@ -12988,7 +12988,7 @@
           <p:cNvPr id="3" name="Slide Number Placeholder 2">
             <a:extLst>
               <a:ext uri="{FF2B5EF4-FFF2-40B4-BE49-F238E27FC236}">
-                <a16:creationId xmlns="" xmlns:a16="http://schemas.microsoft.com/office/drawing/2014/main" id="{A48B863F-695F-4B49-9976-801FBDD52707}"/>
+                <a16:creationId xmlns:a16="http://schemas.microsoft.com/office/drawing/2014/main" xmlns="" id="{A48B863F-695F-4B49-9976-801FBDD52707}"/>
               </a:ext>
             </a:extLst>
           </p:cNvPr>
@@ -13127,7 +13127,7 @@
           <p:cNvPr id="3" name="Slide Number Placeholder 2">
             <a:extLst>
               <a:ext uri="{FF2B5EF4-FFF2-40B4-BE49-F238E27FC236}">
-                <a16:creationId xmlns="" xmlns:a16="http://schemas.microsoft.com/office/drawing/2014/main" id="{7CBB7864-EB3E-419D-A7FF-0E125BA3A0A5}"/>
+                <a16:creationId xmlns:a16="http://schemas.microsoft.com/office/drawing/2014/main" xmlns="" id="{7CBB7864-EB3E-419D-A7FF-0E125BA3A0A5}"/>
               </a:ext>
             </a:extLst>
           </p:cNvPr>
@@ -13294,7 +13294,7 @@
           <p:cNvPr id="3" name="Slide Number Placeholder 2">
             <a:extLst>
               <a:ext uri="{FF2B5EF4-FFF2-40B4-BE49-F238E27FC236}">
-                <a16:creationId xmlns="" xmlns:a16="http://schemas.microsoft.com/office/drawing/2014/main" id="{D25D9622-9E22-47B3-A611-9E93BEB50925}"/>
+                <a16:creationId xmlns:a16="http://schemas.microsoft.com/office/drawing/2014/main" xmlns="" id="{D25D9622-9E22-47B3-A611-9E93BEB50925}"/>
               </a:ext>
             </a:extLst>
           </p:cNvPr>
@@ -13453,7 +13453,7 @@
           <p:cNvPr id="3" name="Slide Number Placeholder 2">
             <a:extLst>
               <a:ext uri="{FF2B5EF4-FFF2-40B4-BE49-F238E27FC236}">
-                <a16:creationId xmlns="" xmlns:a16="http://schemas.microsoft.com/office/drawing/2014/main" id="{4A00A07A-A61F-46DC-9B55-63B30BE3D505}"/>
+                <a16:creationId xmlns:a16="http://schemas.microsoft.com/office/drawing/2014/main" xmlns="" id="{4A00A07A-A61F-46DC-9B55-63B30BE3D505}"/>
               </a:ext>
             </a:extLst>
           </p:cNvPr>
@@ -13603,7 +13603,7 @@
           <p:cNvPr id="3" name="Slide Number Placeholder 2">
             <a:extLst>
               <a:ext uri="{FF2B5EF4-FFF2-40B4-BE49-F238E27FC236}">
-                <a16:creationId xmlns="" xmlns:a16="http://schemas.microsoft.com/office/drawing/2014/main" id="{BA37082E-2374-4AB4-AC36-C4D720A16F3E}"/>
+                <a16:creationId xmlns:a16="http://schemas.microsoft.com/office/drawing/2014/main" xmlns="" id="{BA37082E-2374-4AB4-AC36-C4D720A16F3E}"/>
               </a:ext>
             </a:extLst>
           </p:cNvPr>
@@ -13745,7 +13745,7 @@
           <p:cNvPr id="3" name="Slide Number Placeholder 2">
             <a:extLst>
               <a:ext uri="{FF2B5EF4-FFF2-40B4-BE49-F238E27FC236}">
-                <a16:creationId xmlns="" xmlns:a16="http://schemas.microsoft.com/office/drawing/2014/main" id="{37EEA1D3-85A0-4A73-9B56-30E876B1042B}"/>
+                <a16:creationId xmlns:a16="http://schemas.microsoft.com/office/drawing/2014/main" xmlns="" id="{37EEA1D3-85A0-4A73-9B56-30E876B1042B}"/>
               </a:ext>
             </a:extLst>
           </p:cNvPr>
@@ -13805,10 +13805,10 @@
       </p:grpSpPr>
       <p:sp>
         <p:nvSpPr>
-          <p:cNvPr id="11" name="Title 10">
+          <p:cNvPr id="7" name="Slide Number Placeholder 6">
             <a:extLst>
               <a:ext uri="{FF2B5EF4-FFF2-40B4-BE49-F238E27FC236}">
-                <a16:creationId xmlns="" xmlns:a16="http://schemas.microsoft.com/office/drawing/2014/main" id="{1F52A716-5142-4987-84C0-078D1007C406}"/>
+                <a16:creationId xmlns="" xmlns:a16="http://schemas.microsoft.com/office/drawing/2014/main" id="{27B55DC7-B95B-4807-B808-1E7A81E0F45A}"/>
               </a:ext>
             </a:extLst>
           </p:cNvPr>
@@ -13816,7 +13816,7 @@
             <a:spLocks noGrp="1"/>
           </p:cNvSpPr>
           <p:nvPr>
-            <p:ph type="title"/>
+            <p:ph type="sldNum" sz="quarter" idx="10"/>
           </p:nvPr>
         </p:nvSpPr>
         <p:spPr/>
@@ -13824,42 +13824,332 @@
           <a:bodyPr/>
           <a:lstStyle/>
           <a:p>
+            <a:fld id="{FB267019-40B7-405C-98B7-75F3216AFF79}" type="slidenum">
+              <a:rPr lang="en-US" smtClean="0"/>
+              <a:pPr/>
+              <a:t>47</a:t>
+            </a:fld>
             <a:endParaRPr lang="en-US" dirty="0"/>
           </a:p>
         </p:txBody>
       </p:sp>
       <p:sp>
         <p:nvSpPr>
-          <p:cNvPr id="2" name="Slide Number Placeholder 1">
+          <p:cNvPr id="19" name="Text Placeholder 7">
             <a:extLst>
               <a:ext uri="{FF2B5EF4-FFF2-40B4-BE49-F238E27FC236}">
-                <a16:creationId xmlns="" xmlns:a16="http://schemas.microsoft.com/office/drawing/2014/main" id="{68E7E42E-59F7-4E59-B615-38E41297994C}"/>
+                <a16:creationId xmlns="" xmlns:a16="http://schemas.microsoft.com/office/drawing/2014/main" id="{2785A2B3-FCF4-4D59-9841-12917D91B27A}"/>
               </a:ext>
             </a:extLst>
           </p:cNvPr>
-          <p:cNvSpPr>
-            <a:spLocks noGrp="1"/>
-          </p:cNvSpPr>
-          <p:nvPr>
-            <p:ph type="sldNum" sz="quarter" idx="10"/>
-          </p:nvPr>
-        </p:nvSpPr>
-        <p:spPr/>
-        <p:txBody>
-          <a:bodyPr/>
-          <a:lstStyle/>
-          <a:p>
-            <a:pPr>
-              <a:defRPr/>
-            </a:pPr>
-            <a:fld id="{FB267019-40B7-405C-98B7-75F3216AFF79}" type="slidenum">
-              <a:rPr lang="en-US" smtClean="0"/>
-              <a:pPr>
-                <a:defRPr/>
-              </a:pPr>
-              <a:t>47</a:t>
-            </a:fld>
+          <p:cNvSpPr txBox="1">
+            <a:spLocks/>
+          </p:cNvSpPr>
+          <p:nvPr/>
+        </p:nvSpPr>
+        <p:spPr>
+          <a:xfrm>
+            <a:off x="725683" y="871606"/>
+            <a:ext cx="7893050" cy="5114787"/>
+          </a:xfrm>
+          <a:prstGeom prst="rect">
+            <a:avLst/>
+          </a:prstGeom>
+        </p:spPr>
+        <p:txBody>
+          <a:bodyPr/>
+          <a:lstStyle>
+            <a:lvl1pPr marL="0" indent="0" algn="ctr" defTabSz="685800" rtl="0" eaLnBrk="0" fontAlgn="base" hangingPunct="0">
+              <a:lnSpc>
+                <a:spcPct val="90000"/>
+              </a:lnSpc>
+              <a:spcBef>
+                <a:spcPts val="750"/>
+              </a:spcBef>
+              <a:spcAft>
+                <a:spcPct val="0"/>
+              </a:spcAft>
+              <a:buFont typeface="Arial" charset="0"/>
+              <a:buNone/>
+              <a:defRPr sz="1800" kern="1200">
+                <a:solidFill>
+                  <a:schemeClr val="tx1"/>
+                </a:solidFill>
+                <a:latin typeface="+mn-lt"/>
+                <a:ea typeface="+mn-ea"/>
+                <a:cs typeface="+mn-cs"/>
+              </a:defRPr>
+            </a:lvl1pPr>
+            <a:lvl2pPr marL="514350" indent="-171450" algn="l" defTabSz="685800" rtl="0" eaLnBrk="0" fontAlgn="base" hangingPunct="0">
+              <a:lnSpc>
+                <a:spcPct val="90000"/>
+              </a:lnSpc>
+              <a:spcBef>
+                <a:spcPts val="375"/>
+              </a:spcBef>
+              <a:spcAft>
+                <a:spcPct val="0"/>
+              </a:spcAft>
+              <a:buFont typeface="Arial" charset="0"/>
+              <a:buChar char="•"/>
+              <a:defRPr sz="2400" kern="1200">
+                <a:solidFill>
+                  <a:schemeClr val="tx1"/>
+                </a:solidFill>
+                <a:latin typeface="+mn-lt"/>
+                <a:ea typeface="+mn-ea"/>
+                <a:cs typeface="+mn-cs"/>
+              </a:defRPr>
+            </a:lvl2pPr>
+            <a:lvl3pPr marL="857250" indent="-171450" algn="l" defTabSz="685800" rtl="0" eaLnBrk="0" fontAlgn="base" hangingPunct="0">
+              <a:lnSpc>
+                <a:spcPct val="90000"/>
+              </a:lnSpc>
+              <a:spcBef>
+                <a:spcPts val="375"/>
+              </a:spcBef>
+              <a:spcAft>
+                <a:spcPct val="0"/>
+              </a:spcAft>
+              <a:buFont typeface="Arial" charset="0"/>
+              <a:buChar char="•"/>
+              <a:defRPr sz="1800" kern="1200">
+                <a:solidFill>
+                  <a:schemeClr val="tx1"/>
+                </a:solidFill>
+                <a:latin typeface="+mn-lt"/>
+                <a:ea typeface="+mn-ea"/>
+                <a:cs typeface="+mn-cs"/>
+              </a:defRPr>
+            </a:lvl3pPr>
+            <a:lvl4pPr marL="1200150" indent="-171450" algn="l" defTabSz="685800" rtl="0" eaLnBrk="0" fontAlgn="base" hangingPunct="0">
+              <a:lnSpc>
+                <a:spcPct val="90000"/>
+              </a:lnSpc>
+              <a:spcBef>
+                <a:spcPts val="375"/>
+              </a:spcBef>
+              <a:spcAft>
+                <a:spcPct val="0"/>
+              </a:spcAft>
+              <a:buFont typeface="Arial" charset="0"/>
+              <a:buChar char="•"/>
+              <a:defRPr sz="1600" kern="1200">
+                <a:solidFill>
+                  <a:schemeClr val="tx1"/>
+                </a:solidFill>
+                <a:latin typeface="+mn-lt"/>
+                <a:ea typeface="+mn-ea"/>
+                <a:cs typeface="+mn-cs"/>
+              </a:defRPr>
+            </a:lvl4pPr>
+            <a:lvl5pPr marL="1543050" indent="-171450" algn="l" defTabSz="685800" rtl="0" eaLnBrk="0" fontAlgn="base" hangingPunct="0">
+              <a:lnSpc>
+                <a:spcPct val="90000"/>
+              </a:lnSpc>
+              <a:spcBef>
+                <a:spcPts val="375"/>
+              </a:spcBef>
+              <a:spcAft>
+                <a:spcPct val="0"/>
+              </a:spcAft>
+              <a:buFont typeface="Arial" charset="0"/>
+              <a:buChar char="•"/>
+              <a:defRPr sz="1600" kern="1200">
+                <a:solidFill>
+                  <a:schemeClr val="tx1"/>
+                </a:solidFill>
+                <a:latin typeface="+mn-lt"/>
+                <a:ea typeface="+mn-ea"/>
+                <a:cs typeface="+mn-cs"/>
+              </a:defRPr>
+            </a:lvl5pPr>
+            <a:lvl6pPr marL="1885950" indent="-171450" algn="l" defTabSz="685800" rtl="0" eaLnBrk="1" latinLnBrk="0" hangingPunct="1">
+              <a:lnSpc>
+                <a:spcPct val="90000"/>
+              </a:lnSpc>
+              <a:spcBef>
+                <a:spcPts val="375"/>
+              </a:spcBef>
+              <a:buFont typeface="Arial" panose="020B0604020202020204" pitchFamily="34" charset="0"/>
+              <a:buChar char="•"/>
+              <a:defRPr sz="1350" kern="1200">
+                <a:solidFill>
+                  <a:schemeClr val="tx1"/>
+                </a:solidFill>
+                <a:latin typeface="+mn-lt"/>
+                <a:ea typeface="+mn-ea"/>
+                <a:cs typeface="+mn-cs"/>
+              </a:defRPr>
+            </a:lvl6pPr>
+            <a:lvl7pPr marL="2228850" indent="-171450" algn="l" defTabSz="685800" rtl="0" eaLnBrk="1" latinLnBrk="0" hangingPunct="1">
+              <a:lnSpc>
+                <a:spcPct val="90000"/>
+              </a:lnSpc>
+              <a:spcBef>
+                <a:spcPts val="375"/>
+              </a:spcBef>
+              <a:buFont typeface="Arial" panose="020B0604020202020204" pitchFamily="34" charset="0"/>
+              <a:buChar char="•"/>
+              <a:defRPr sz="1350" kern="1200">
+                <a:solidFill>
+                  <a:schemeClr val="tx1"/>
+                </a:solidFill>
+                <a:latin typeface="+mn-lt"/>
+                <a:ea typeface="+mn-ea"/>
+                <a:cs typeface="+mn-cs"/>
+              </a:defRPr>
+            </a:lvl7pPr>
+            <a:lvl8pPr marL="2571750" indent="-171450" algn="l" defTabSz="685800" rtl="0" eaLnBrk="1" latinLnBrk="0" hangingPunct="1">
+              <a:lnSpc>
+                <a:spcPct val="90000"/>
+              </a:lnSpc>
+              <a:spcBef>
+                <a:spcPts val="375"/>
+              </a:spcBef>
+              <a:buFont typeface="Arial" panose="020B0604020202020204" pitchFamily="34" charset="0"/>
+              <a:buChar char="•"/>
+              <a:defRPr sz="1350" kern="1200">
+                <a:solidFill>
+                  <a:schemeClr val="tx1"/>
+                </a:solidFill>
+                <a:latin typeface="+mn-lt"/>
+                <a:ea typeface="+mn-ea"/>
+                <a:cs typeface="+mn-cs"/>
+              </a:defRPr>
+            </a:lvl8pPr>
+            <a:lvl9pPr marL="2914650" indent="-171450" algn="l" defTabSz="685800" rtl="0" eaLnBrk="1" latinLnBrk="0" hangingPunct="1">
+              <a:lnSpc>
+                <a:spcPct val="90000"/>
+              </a:lnSpc>
+              <a:spcBef>
+                <a:spcPts val="375"/>
+              </a:spcBef>
+              <a:buFont typeface="Arial" panose="020B0604020202020204" pitchFamily="34" charset="0"/>
+              <a:buChar char="•"/>
+              <a:defRPr sz="1350" kern="1200">
+                <a:solidFill>
+                  <a:schemeClr val="tx1"/>
+                </a:solidFill>
+                <a:latin typeface="+mn-lt"/>
+                <a:ea typeface="+mn-ea"/>
+                <a:cs typeface="+mn-cs"/>
+              </a:defRPr>
+            </a:lvl9pPr>
+          </a:lstStyle>
+          <a:p>
+            <a:r>
+              <a:rPr lang="en-US" dirty="0"/>
+              <a:t>Please attribute Dr. Jim Alves-Foss and Dr. Jia Song, University of Idaho</a:t>
+            </a:r>
+            <a:br>
+              <a:rPr lang="en-US" dirty="0"/>
+            </a:br>
+            <a:r>
+              <a:rPr lang="en-US" dirty="0"/>
+              <a:t/>
+            </a:r>
+            <a:br>
+              <a:rPr lang="en-US" dirty="0"/>
+            </a:br>
+            <a:r>
+              <a:rPr lang="en-US" dirty="0"/>
+              <a:t/>
+            </a:r>
+            <a:br>
+              <a:rPr lang="en-US" dirty="0"/>
+            </a:br>
+            <a:r>
+              <a:rPr lang="en-US" dirty="0"/>
+              <a:t/>
+            </a:r>
+            <a:br>
+              <a:rPr lang="en-US" dirty="0"/>
+            </a:br>
+            <a:r>
+              <a:rPr lang="en-US" dirty="0"/>
+              <a:t/>
+            </a:r>
+            <a:br>
+              <a:rPr lang="en-US" dirty="0"/>
+            </a:br>
+            <a:r>
+              <a:rPr lang="en-US" dirty="0"/>
+              <a:t/>
+            </a:r>
+            <a:br>
+              <a:rPr lang="en-US" dirty="0"/>
+            </a:br>
+            <a:r>
+              <a:rPr lang="en-US" dirty="0"/>
+              <a:t/>
+            </a:r>
+            <a:br>
+              <a:rPr lang="en-US" dirty="0"/>
+            </a:br>
+            <a:r>
+              <a:rPr lang="en-US" dirty="0"/>
+              <a:t/>
+            </a:r>
+            <a:br>
+              <a:rPr lang="en-US" dirty="0"/>
+            </a:br>
             <a:endParaRPr lang="en-US" dirty="0"/>
+          </a:p>
+          <a:p>
+            <a:r>
+              <a:rPr lang="en-US" sz="1600" dirty="0"/>
+              <a:t>Except where otherwise noted, this work is licensed under https://creativecommons.org/licenses/by-nc-sa/4.0/</a:t>
+            </a:r>
+            <a:br>
+              <a:rPr lang="en-US" sz="1600" dirty="0"/>
+            </a:br>
+            <a:r>
+              <a:rPr lang="en-US" sz="1600" dirty="0"/>
+              <a:t/>
+            </a:r>
+            <a:br>
+              <a:rPr lang="en-US" sz="1600" dirty="0"/>
+            </a:br>
+            <a:r>
+              <a:rPr lang="en-US" sz="1600" dirty="0"/>
+              <a:t>Not withstanding the non-commercial license terms, non-profit educational institutions are granted a non-exclusive license to adapt and use this material, with attribution.</a:t>
+            </a:r>
+            <a:br>
+              <a:rPr lang="en-US" sz="1600" dirty="0"/>
+            </a:br>
+            <a:r>
+              <a:rPr lang="en-US" sz="1600" dirty="0"/>
+              <a:t/>
+            </a:r>
+            <a:br>
+              <a:rPr lang="en-US" sz="1600" dirty="0"/>
+            </a:br>
+            <a:r>
+              <a:rPr lang="en-US" sz="1600" dirty="0"/>
+              <a:t>Creative Commons and the double C in a circle are registered trademarks of Creative commons in the United States and other countries. Third party marks and brands are the property of their respective holders</a:t>
+            </a:r>
+            <a:r>
+              <a:rPr lang="en-US" sz="1600" dirty="0" smtClean="0"/>
+              <a:t>.</a:t>
+            </a:r>
+          </a:p>
+          <a:p>
+            <a:r>
+              <a:rPr lang="en-US" sz="1600" dirty="0"/>
+              <a:t>Project sponsored by the National Security Agency under grant Number </a:t>
+            </a:r>
+            <a:r>
+              <a:rPr lang="en-US" sz="1600" dirty="0" smtClean="0"/>
+              <a:t>H98230-17-1-0199. The </a:t>
+            </a:r>
+            <a:r>
+              <a:rPr lang="en-US" sz="1600" dirty="0"/>
+              <a:t>United States Government is authorized to reproduce and distribute reprints notwithstanding any copyright notation herein.</a:t>
+            </a:r>
+          </a:p>
+          <a:p>
+            <a:endParaRPr lang="en-US" sz="1600" dirty="0"/>
           </a:p>
         </p:txBody>
       </p:sp>
@@ -13869,7 +14159,7 @@
     </p:custDataLst>
     <p:extLst>
       <p:ext uri="{BB962C8B-B14F-4D97-AF65-F5344CB8AC3E}">
-        <p14:creationId xmlns:p14="http://schemas.microsoft.com/office/powerpoint/2010/main" val="1892705052"/>
+        <p14:creationId xmlns:p14="http://schemas.microsoft.com/office/powerpoint/2010/main" val="1046360578"/>
       </p:ext>
     </p:extLst>
   </p:cSld>
@@ -13987,7 +14277,7 @@
           <p:cNvPr id="3" name="Slide Number Placeholder 2">
             <a:extLst>
               <a:ext uri="{FF2B5EF4-FFF2-40B4-BE49-F238E27FC236}">
-                <a16:creationId xmlns="" xmlns:a16="http://schemas.microsoft.com/office/drawing/2014/main" id="{A2372BCB-15B6-4002-9754-6F66B05ECDD2}"/>
+                <a16:creationId xmlns:a16="http://schemas.microsoft.com/office/drawing/2014/main" xmlns="" id="{A2372BCB-15B6-4002-9754-6F66B05ECDD2}"/>
               </a:ext>
             </a:extLst>
           </p:cNvPr>
@@ -14143,7 +14433,7 @@
           <p:cNvPr id="3" name="Slide Number Placeholder 2">
             <a:extLst>
               <a:ext uri="{FF2B5EF4-FFF2-40B4-BE49-F238E27FC236}">
-                <a16:creationId xmlns="" xmlns:a16="http://schemas.microsoft.com/office/drawing/2014/main" id="{36AE9605-C6A4-46F3-BE81-4FABBCD6ED93}"/>
+                <a16:creationId xmlns:a16="http://schemas.microsoft.com/office/drawing/2014/main" xmlns="" id="{36AE9605-C6A4-46F3-BE81-4FABBCD6ED93}"/>
               </a:ext>
             </a:extLst>
           </p:cNvPr>
@@ -14281,7 +14571,7 @@
           <p:cNvPr id="3" name="Slide Number Placeholder 2">
             <a:extLst>
               <a:ext uri="{FF2B5EF4-FFF2-40B4-BE49-F238E27FC236}">
-                <a16:creationId xmlns="" xmlns:a16="http://schemas.microsoft.com/office/drawing/2014/main" id="{CFD50F3F-44C6-4309-ACDC-7506D9E92EA8}"/>
+                <a16:creationId xmlns:a16="http://schemas.microsoft.com/office/drawing/2014/main" xmlns="" id="{CFD50F3F-44C6-4309-ACDC-7506D9E92EA8}"/>
               </a:ext>
             </a:extLst>
           </p:cNvPr>
@@ -14407,7 +14697,7 @@
           <p:cNvPr id="3" name="Slide Number Placeholder 2">
             <a:extLst>
               <a:ext uri="{FF2B5EF4-FFF2-40B4-BE49-F238E27FC236}">
-                <a16:creationId xmlns="" xmlns:a16="http://schemas.microsoft.com/office/drawing/2014/main" id="{5BC54C20-E51A-4AA2-8887-5979BE42642F}"/>
+                <a16:creationId xmlns:a16="http://schemas.microsoft.com/office/drawing/2014/main" xmlns="" id="{5BC54C20-E51A-4AA2-8887-5979BE42642F}"/>
               </a:ext>
             </a:extLst>
           </p:cNvPr>
@@ -14539,7 +14829,7 @@
           <p:cNvPr id="3" name="Slide Number Placeholder 2">
             <a:extLst>
               <a:ext uri="{FF2B5EF4-FFF2-40B4-BE49-F238E27FC236}">
-                <a16:creationId xmlns="" xmlns:a16="http://schemas.microsoft.com/office/drawing/2014/main" id="{E3D98535-8A9A-4913-947D-E94AFBAC8FF3}"/>
+                <a16:creationId xmlns:a16="http://schemas.microsoft.com/office/drawing/2014/main" xmlns="" id="{E3D98535-8A9A-4913-947D-E94AFBAC8FF3}"/>
               </a:ext>
             </a:extLst>
           </p:cNvPr>
@@ -14916,6 +15206,13 @@
 <file path=ppt/tags/tag58.xml><?xml version="1.0" encoding="utf-8"?>
 <p:tagLst xmlns:a="http://schemas.openxmlformats.org/drawingml/2006/main" xmlns:r="http://schemas.openxmlformats.org/officeDocument/2006/relationships" xmlns:p="http://schemas.openxmlformats.org/presentationml/2006/main">
   <p:tag name="AUDIO_ID" val="333"/>
+  <p:tag name="ARTICULATE_NAV_LEVEL" val="1"/>
+  <p:tag name="ARTICULATE_TOC_EXPANDED" val="True"/>
+  <p:tag name="ARTICULATE_SLIDE_PRESENTER_GUID" val="b6afec6b-4ad9-49aa-931c-79381ce9333b"/>
+  <p:tag name="ARTICULATE_SLIDE_PAUSE" val="0"/>
+  <p:tag name="ARTICULATE_HIDE_SLIDE" val="0"/>
+  <p:tag name="ARTICULATE_PLAYER_CONTROL_PREVIOUS" val="True"/>
+  <p:tag name="ARTICULATE_PLAYER_CONTROL_NEXT" val="True"/>
   <p:tag name="ARTICULATE_USED_LAYOUT" val="9"/>
   <p:tag name="ARTICULATE_SLIDE_THUMBNAIL_REFRESH" val="1"/>
 </p:tagLst>
